--- a/aws-config-lambda-shared-eni/docs/Effective resource management with AWS Config - short.pptx
+++ b/aws-config-lambda-shared-eni/docs/Effective resource management with AWS Config - short.pptx
@@ -805,16 +805,19 @@
           </a:bodyPr>
           <a:lstStyle/>
           <a:p>
-            <a:pPr marL="0" lvl="0" indent="0" algn="l" rtl="0">
-              <a:spcBef>
-                <a:spcPts val="0"/>
-              </a:spcBef>
-              <a:spcAft>
-                <a:spcPts val="0"/>
-              </a:spcAft>
-              <a:buNone/>
+            <a:pPr marL="171450" lvl="0" indent="-171450" algn="l" rtl="0">
+              <a:spcBef>
+                <a:spcPts val="0"/>
+              </a:spcBef>
+              <a:spcAft>
+                <a:spcPts val="0"/>
+              </a:spcAft>
             </a:pPr>
-            <a:endParaRPr/>
+            <a:r>
+              <a:rPr lang="en-US" dirty="0"/>
+              <a:t>Today we see how we can use AWS Config to effectively manage your resources</a:t>
+            </a:r>
+            <a:endParaRPr dirty="0"/>
           </a:p>
         </p:txBody>
       </p:sp>
@@ -1161,7 +1164,7 @@
             </a:pPr>
             <a:r>
               <a:rPr lang="en-CA" dirty="0"/>
-              <a:t>AWS Config provides an easy way to Assess, Audit, and Evaluate the configuration of the resources in your account to maintain security, compliance, and governance</a:t>
+              <a:t>AWS Config provides a way to Assess, Audit, and Evaluate the configuration of the resources in your account to maintain security, compliance, and governance</a:t>
             </a:r>
           </a:p>
           <a:p>
@@ -1175,7 +1178,7 @@
             </a:pPr>
             <a:r>
               <a:rPr lang="en-CA" dirty="0"/>
-              <a:t>AWS Config provides a Resource Inventory of resources in your account where you can apply rules, receive notifications, and provide remediation policies when resources deviate from a compliance state</a:t>
+              <a:t>It allows you to apply rules, receive notifications, and provide remediation policies when resources in your account deviate from a compliance state</a:t>
             </a:r>
           </a:p>
           <a:p>
@@ -1311,7 +1314,7 @@
             </a:pPr>
             <a:r>
               <a:rPr lang="en-CA" dirty="0"/>
-              <a:t>A configuration item is created and Configuration Recorder maintains historical records in S3 whenever the configuration of a resource changes</a:t>
+              <a:t>A configuration item is created, and the Configuration Recorder maintains historical records in S3 whenever the configuration of a resource changes</a:t>
             </a:r>
           </a:p>
           <a:p>
@@ -1325,7 +1328,7 @@
             </a:pPr>
             <a:r>
               <a:rPr lang="en-CA" dirty="0"/>
-              <a:t>If AWS Config Rules are configured, the recorded configuration is evaluated against the desired configuration to determine whether a resource is COMPLIANT or NON COMPLIANT</a:t>
+              <a:t>With AWS Config Rules, the recorded configuration is evaluated against the desired configuration to determine whether a resource is COMPLIANT or NON-COMPLIANT</a:t>
             </a:r>
           </a:p>
           <a:p>
@@ -1339,7 +1342,7 @@
             </a:pPr>
             <a:r>
               <a:rPr lang="en-CA" dirty="0"/>
-              <a:t>Remediation actions can be taken on Non Compliant resources to get them back to a compliant state</a:t>
+              <a:t>Remediation actions can be taken on non-compliant resources to get them back to a compliant state</a:t>
             </a:r>
           </a:p>
           <a:p>
@@ -1353,7 +1356,7 @@
             </a:pPr>
             <a:r>
               <a:rPr lang="en-CA" dirty="0"/>
-              <a:t>Conformance Packs can also be used to simplify deployment of multiple rules and remediation across Accounts and Regions</a:t>
+              <a:t>We can also manage multiple rules and simplify deployment across Accounts and Regions with the use of Conformance Packs</a:t>
             </a:r>
           </a:p>
         </p:txBody>
@@ -1506,7 +1509,7 @@
             </a:pPr>
             <a:r>
               <a:rPr lang="en-CA" dirty="0"/>
-              <a:t>Custom Rules, which are customer authored rules backed by Lambda or Guard</a:t>
+              <a:t>Custom Rules, that can be authored with Lambda or Guard</a:t>
             </a:r>
           </a:p>
           <a:p>
@@ -1548,7 +1551,7 @@
             </a:pPr>
             <a:r>
               <a:rPr lang="en-CA" dirty="0"/>
-              <a:t>The Periodic trigger allows evaluation at a set frequency, for example, every 24 hours</a:t>
+              <a:t>A Periodic trigger allows evaluation at a set frequency</a:t>
             </a:r>
           </a:p>
           <a:p>
@@ -1562,23 +1565,8 @@
             </a:pPr>
             <a:r>
               <a:rPr lang="en-CA" dirty="0"/>
-              <a:t>&gt;Remediation of noncompliant resources can be applied through Systems Manager Automation documents</a:t>
+              <a:t>&gt;Remediation of non-compliant resources can be applied through SSM Automation Documents</a:t>
             </a:r>
-          </a:p>
-          <a:p>
-            <a:pPr marL="628650" lvl="1" indent="-171450" algn="l" rtl="0">
-              <a:spcBef>
-                <a:spcPts val="0"/>
-              </a:spcBef>
-              <a:spcAft>
-                <a:spcPts val="0"/>
-              </a:spcAft>
-            </a:pPr>
-            <a:r>
-              <a:rPr lang="en-CA" dirty="0"/>
-              <a:t>Systems Manager provides a set of managed automation documents or you may create your custom Systems Manager Automation documents</a:t>
-            </a:r>
-            <a:endParaRPr dirty="0"/>
           </a:p>
         </p:txBody>
       </p:sp>
@@ -1688,7 +1676,7 @@
             </a:pPr>
             <a:r>
               <a:rPr lang="en-CA" dirty="0"/>
-              <a:t>AWS Config can be configured to ensure we maintain the optimal network configuration of our Lambda functions to limit our ENI usage</a:t>
+              <a:t>With AWS Config we can configure a Custom Rule to ensure we maintain the desired network configuration of our Lambda functions to limit our ENI usage</a:t>
             </a:r>
           </a:p>
           <a:p>
@@ -1702,11 +1690,7 @@
             </a:pPr>
             <a:r>
               <a:rPr lang="en-CA" dirty="0"/>
-              <a:t>We can setup an AWS Config Custom Rule to evaluate the network configuration of our </a:t>
-            </a:r>
-            <a:r>
-              <a:rPr lang="en-CA"/>
-              <a:t>Lambda functions</a:t>
+              <a:t>Let’s see how we can do that now</a:t>
             </a:r>
             <a:endParaRPr dirty="0"/>
           </a:p>
@@ -1877,7 +1861,7 @@
             </a:pPr>
             <a:r>
               <a:rPr lang="en-US" dirty="0"/>
-              <a:t>&gt; Upon receipt, AWS Config updates the configuration status of the configuration item as either COMPLIANT or NON COMPLIANT</a:t>
+              <a:t>&gt; The configuration status is then either marked as COMPLIANT or NON-COMPLIANT</a:t>
             </a:r>
           </a:p>
           <a:p>
@@ -1891,7 +1875,23 @@
             </a:pPr>
             <a:r>
               <a:rPr lang="en-US" dirty="0"/>
-              <a:t>&gt; Because AWS Config already publishes events to EventBridge, an email subscription to a SNS Topic can notify of any detected non compliant configurations</a:t>
+              <a:t>&gt; We can also subscribe a SNS Topic with an email subscription to the </a:t>
+            </a:r>
+            <a:r>
+              <a:rPr lang="en-US" dirty="0" err="1"/>
+              <a:t>EventBridge</a:t>
+            </a:r>
+            <a:r>
+              <a:rPr lang="en-US" dirty="0"/>
+              <a:t> event from </a:t>
+            </a:r>
+            <a:r>
+              <a:rPr lang="en-US"/>
+              <a:t>AWS Config for </a:t>
+            </a:r>
+            <a:r>
+              <a:rPr lang="en-US" dirty="0"/>
+              <a:t>any notifications</a:t>
             </a:r>
           </a:p>
         </p:txBody>
@@ -11053,7 +11053,7 @@
         </p:nvSpPr>
         <p:spPr>
           <a:xfrm>
-            <a:off x="475800" y="3102251"/>
+            <a:off x="486334" y="2794824"/>
             <a:ext cx="8192400" cy="1647600"/>
           </a:xfrm>
           <a:prstGeom prst="rect">
@@ -11125,30 +11125,6 @@
               <a:ea typeface="Roboto Slab"/>
               <a:cs typeface="Roboto Slab"/>
               <a:sym typeface="Roboto Slab"/>
-            </a:endParaRPr>
-          </a:p>
-          <a:p>
-            <a:pPr marL="0" lvl="0" indent="0" algn="ctr" rtl="0">
-              <a:spcBef>
-                <a:spcPts val="600"/>
-              </a:spcBef>
-              <a:spcAft>
-                <a:spcPts val="0"/>
-              </a:spcAft>
-              <a:buNone/>
-            </a:pPr>
-            <a:r>
-              <a:rPr lang="en" sz="1600" dirty="0">
-                <a:highlight>
-                  <a:schemeClr val="lt2"/>
-                </a:highlight>
-              </a:rPr>
-              <a:t>Uncover the truth</a:t>
-            </a:r>
-            <a:endParaRPr sz="1600" dirty="0">
-              <a:highlight>
-                <a:schemeClr val="lt2"/>
-              </a:highlight>
             </a:endParaRPr>
           </a:p>
         </p:txBody>
